--- a/Notes.pptx
+++ b/Notes.pptx
@@ -26,6 +26,8 @@
     <p:sldId id="274" r:id="rId20"/>
     <p:sldId id="275" r:id="rId21"/>
     <p:sldId id="276" r:id="rId22"/>
+    <p:sldId id="277" r:id="rId23"/>
+    <p:sldId id="278" r:id="rId24"/>
   </p:sldIdLst>
   <p:sldSz cx="12192000" cy="6858000"/>
   <p:notesSz cx="6858000" cy="9144000"/>
@@ -11952,6 +11954,1872 @@
     <p:extLst>
       <p:ext uri="{BB962C8B-B14F-4D97-AF65-F5344CB8AC3E}">
         <p14:creationId xmlns:p14="http://schemas.microsoft.com/office/powerpoint/2010/main" val="1347828630"/>
+      </p:ext>
+    </p:extLst>
+  </p:cSld>
+  <p:clrMapOvr>
+    <a:masterClrMapping/>
+  </p:clrMapOvr>
+</p:sld>
+</file>
+
+<file path=ppt/slides/slide22.xml><?xml version="1.0" encoding="utf-8"?>
+<p:sld xmlns:a="http://schemas.openxmlformats.org/drawingml/2006/main" xmlns:r="http://schemas.openxmlformats.org/officeDocument/2006/relationships" xmlns:p="http://schemas.openxmlformats.org/presentationml/2006/main">
+  <p:cSld>
+    <p:spTree>
+      <p:nvGrpSpPr>
+        <p:cNvPr id="1" name=""/>
+        <p:cNvGrpSpPr/>
+        <p:nvPr/>
+      </p:nvGrpSpPr>
+      <p:grpSpPr>
+        <a:xfrm>
+          <a:off x="0" y="0"/>
+          <a:ext cx="0" cy="0"/>
+          <a:chOff x="0" y="0"/>
+          <a:chExt cx="0" cy="0"/>
+        </a:xfrm>
+      </p:grpSpPr>
+      <p:sp>
+        <p:nvSpPr>
+          <p:cNvPr id="2" name="Title 1">
+            <a:extLst>
+              <a:ext uri="{FF2B5EF4-FFF2-40B4-BE49-F238E27FC236}">
+                <a16:creationId xmlns:a16="http://schemas.microsoft.com/office/drawing/2014/main" id="{0854E774-EE8E-424E-8B85-8A704378A8BF}"/>
+              </a:ext>
+            </a:extLst>
+          </p:cNvPr>
+          <p:cNvSpPr>
+            <a:spLocks noGrp="1"/>
+          </p:cNvSpPr>
+          <p:nvPr>
+            <p:ph type="title"/>
+          </p:nvPr>
+        </p:nvSpPr>
+        <p:spPr/>
+        <p:txBody>
+          <a:bodyPr/>
+          <a:lstStyle/>
+          <a:p>
+            <a:r>
+              <a:rPr lang="fr-FR" dirty="0" err="1"/>
+              <a:t>SwitchMap</a:t>
+            </a:r>
+            <a:endParaRPr lang="fr-FR" dirty="0"/>
+          </a:p>
+        </p:txBody>
+      </p:sp>
+      <p:cxnSp>
+        <p:nvCxnSpPr>
+          <p:cNvPr id="5" name="Straight Arrow Connector 4">
+            <a:extLst>
+              <a:ext uri="{FF2B5EF4-FFF2-40B4-BE49-F238E27FC236}">
+                <a16:creationId xmlns:a16="http://schemas.microsoft.com/office/drawing/2014/main" id="{0E37A925-0097-44E5-AE8A-19BCC7B87B0E}"/>
+              </a:ext>
+            </a:extLst>
+          </p:cNvPr>
+          <p:cNvCxnSpPr/>
+          <p:nvPr/>
+        </p:nvCxnSpPr>
+        <p:spPr>
+          <a:xfrm flipV="1">
+            <a:off x="363003" y="2081524"/>
+            <a:ext cx="11152004" cy="41354"/>
+          </a:xfrm>
+          <a:prstGeom prst="straightConnector1">
+            <a:avLst/>
+          </a:prstGeom>
+          <a:ln w="76200">
+            <a:tailEnd type="triangle"/>
+          </a:ln>
+        </p:spPr>
+        <p:style>
+          <a:lnRef idx="1">
+            <a:schemeClr val="accent1"/>
+          </a:lnRef>
+          <a:fillRef idx="0">
+            <a:schemeClr val="accent1"/>
+          </a:fillRef>
+          <a:effectRef idx="0">
+            <a:schemeClr val="accent1"/>
+          </a:effectRef>
+          <a:fontRef idx="minor">
+            <a:schemeClr val="tx1"/>
+          </a:fontRef>
+        </p:style>
+      </p:cxnSp>
+      <p:sp>
+        <p:nvSpPr>
+          <p:cNvPr id="6" name="Oval 5">
+            <a:extLst>
+              <a:ext uri="{FF2B5EF4-FFF2-40B4-BE49-F238E27FC236}">
+                <a16:creationId xmlns:a16="http://schemas.microsoft.com/office/drawing/2014/main" id="{BBF97A40-950F-468E-8767-FDA3333D5B31}"/>
+              </a:ext>
+            </a:extLst>
+          </p:cNvPr>
+          <p:cNvSpPr/>
+          <p:nvPr/>
+        </p:nvSpPr>
+        <p:spPr>
+          <a:xfrm>
+            <a:off x="1015489" y="1815015"/>
+            <a:ext cx="569777" cy="643297"/>
+          </a:xfrm>
+          <a:prstGeom prst="ellipse">
+            <a:avLst/>
+          </a:prstGeom>
+        </p:spPr>
+        <p:style>
+          <a:lnRef idx="2">
+            <a:schemeClr val="accent1">
+              <a:shade val="50000"/>
+            </a:schemeClr>
+          </a:lnRef>
+          <a:fillRef idx="1">
+            <a:schemeClr val="accent1"/>
+          </a:fillRef>
+          <a:effectRef idx="0">
+            <a:schemeClr val="accent1"/>
+          </a:effectRef>
+          <a:fontRef idx="minor">
+            <a:schemeClr val="lt1"/>
+          </a:fontRef>
+        </p:style>
+        <p:txBody>
+          <a:bodyPr rtlCol="0" anchor="ctr"/>
+          <a:lstStyle/>
+          <a:p>
+            <a:pPr algn="ctr"/>
+            <a:endParaRPr lang="fr-FR"/>
+          </a:p>
+        </p:txBody>
+      </p:sp>
+      <p:sp>
+        <p:nvSpPr>
+          <p:cNvPr id="7" name="Oval 6">
+            <a:extLst>
+              <a:ext uri="{FF2B5EF4-FFF2-40B4-BE49-F238E27FC236}">
+                <a16:creationId xmlns:a16="http://schemas.microsoft.com/office/drawing/2014/main" id="{8622218E-30D5-4D34-8B39-2A0A6C03D2E0}"/>
+              </a:ext>
+            </a:extLst>
+          </p:cNvPr>
+          <p:cNvSpPr/>
+          <p:nvPr/>
+        </p:nvSpPr>
+        <p:spPr>
+          <a:xfrm>
+            <a:off x="4650880" y="1801229"/>
+            <a:ext cx="569777" cy="643297"/>
+          </a:xfrm>
+          <a:prstGeom prst="ellipse">
+            <a:avLst/>
+          </a:prstGeom>
+        </p:spPr>
+        <p:style>
+          <a:lnRef idx="2">
+            <a:schemeClr val="accent1">
+              <a:shade val="50000"/>
+            </a:schemeClr>
+          </a:lnRef>
+          <a:fillRef idx="1">
+            <a:schemeClr val="accent1"/>
+          </a:fillRef>
+          <a:effectRef idx="0">
+            <a:schemeClr val="accent1"/>
+          </a:effectRef>
+          <a:fontRef idx="minor">
+            <a:schemeClr val="lt1"/>
+          </a:fontRef>
+        </p:style>
+        <p:txBody>
+          <a:bodyPr rtlCol="0" anchor="ctr"/>
+          <a:lstStyle/>
+          <a:p>
+            <a:pPr algn="ctr"/>
+            <a:endParaRPr lang="fr-FR"/>
+          </a:p>
+        </p:txBody>
+      </p:sp>
+      <p:sp>
+        <p:nvSpPr>
+          <p:cNvPr id="8" name="Oval 7">
+            <a:extLst>
+              <a:ext uri="{FF2B5EF4-FFF2-40B4-BE49-F238E27FC236}">
+                <a16:creationId xmlns:a16="http://schemas.microsoft.com/office/drawing/2014/main" id="{E10C6736-E026-4B31-8FD3-461EEE3D3A10}"/>
+              </a:ext>
+            </a:extLst>
+          </p:cNvPr>
+          <p:cNvSpPr/>
+          <p:nvPr/>
+        </p:nvSpPr>
+        <p:spPr>
+          <a:xfrm>
+            <a:off x="8336816" y="1801228"/>
+            <a:ext cx="569777" cy="643297"/>
+          </a:xfrm>
+          <a:prstGeom prst="ellipse">
+            <a:avLst/>
+          </a:prstGeom>
+        </p:spPr>
+        <p:style>
+          <a:lnRef idx="2">
+            <a:schemeClr val="accent1">
+              <a:shade val="50000"/>
+            </a:schemeClr>
+          </a:lnRef>
+          <a:fillRef idx="1">
+            <a:schemeClr val="accent1"/>
+          </a:fillRef>
+          <a:effectRef idx="0">
+            <a:schemeClr val="accent1"/>
+          </a:effectRef>
+          <a:fontRef idx="minor">
+            <a:schemeClr val="lt1"/>
+          </a:fontRef>
+        </p:style>
+        <p:txBody>
+          <a:bodyPr rtlCol="0" anchor="ctr"/>
+          <a:lstStyle/>
+          <a:p>
+            <a:pPr algn="ctr"/>
+            <a:endParaRPr lang="fr-FR"/>
+          </a:p>
+        </p:txBody>
+      </p:sp>
+      <p:cxnSp>
+        <p:nvCxnSpPr>
+          <p:cNvPr id="10" name="Straight Arrow Connector 9">
+            <a:extLst>
+              <a:ext uri="{FF2B5EF4-FFF2-40B4-BE49-F238E27FC236}">
+                <a16:creationId xmlns:a16="http://schemas.microsoft.com/office/drawing/2014/main" id="{47DA888A-45FB-4FAF-8BD1-644EAE05E02A}"/>
+              </a:ext>
+            </a:extLst>
+          </p:cNvPr>
+          <p:cNvCxnSpPr>
+            <a:cxnSpLocks/>
+            <a:stCxn id="6" idx="5"/>
+          </p:cNvCxnSpPr>
+          <p:nvPr/>
+        </p:nvCxnSpPr>
+        <p:spPr>
+          <a:xfrm>
+            <a:off x="1501824" y="2364103"/>
+            <a:ext cx="6521002" cy="2612255"/>
+          </a:xfrm>
+          <a:prstGeom prst="straightConnector1">
+            <a:avLst/>
+          </a:prstGeom>
+          <a:ln w="76200">
+            <a:tailEnd type="triangle"/>
+          </a:ln>
+        </p:spPr>
+        <p:style>
+          <a:lnRef idx="1">
+            <a:schemeClr val="accent1"/>
+          </a:lnRef>
+          <a:fillRef idx="0">
+            <a:schemeClr val="accent1"/>
+          </a:fillRef>
+          <a:effectRef idx="0">
+            <a:schemeClr val="accent1"/>
+          </a:effectRef>
+          <a:fontRef idx="minor">
+            <a:schemeClr val="tx1"/>
+          </a:fontRef>
+        </p:style>
+      </p:cxnSp>
+      <p:sp>
+        <p:nvSpPr>
+          <p:cNvPr id="11" name="Oval 10">
+            <a:extLst>
+              <a:ext uri="{FF2B5EF4-FFF2-40B4-BE49-F238E27FC236}">
+                <a16:creationId xmlns:a16="http://schemas.microsoft.com/office/drawing/2014/main" id="{DF557F84-87A3-46B3-964F-C2369741245D}"/>
+              </a:ext>
+            </a:extLst>
+          </p:cNvPr>
+          <p:cNvSpPr/>
+          <p:nvPr/>
+        </p:nvSpPr>
+        <p:spPr>
+          <a:xfrm>
+            <a:off x="2816720" y="2724821"/>
+            <a:ext cx="643296" cy="661679"/>
+          </a:xfrm>
+          <a:prstGeom prst="ellipse">
+            <a:avLst/>
+          </a:prstGeom>
+        </p:spPr>
+        <p:style>
+          <a:lnRef idx="2">
+            <a:schemeClr val="accent1">
+              <a:shade val="50000"/>
+            </a:schemeClr>
+          </a:lnRef>
+          <a:fillRef idx="1">
+            <a:schemeClr val="accent1"/>
+          </a:fillRef>
+          <a:effectRef idx="0">
+            <a:schemeClr val="accent1"/>
+          </a:effectRef>
+          <a:fontRef idx="minor">
+            <a:schemeClr val="lt1"/>
+          </a:fontRef>
+        </p:style>
+        <p:txBody>
+          <a:bodyPr rtlCol="0" anchor="ctr"/>
+          <a:lstStyle/>
+          <a:p>
+            <a:pPr algn="ctr"/>
+            <a:endParaRPr lang="fr-FR"/>
+          </a:p>
+        </p:txBody>
+      </p:sp>
+      <p:sp>
+        <p:nvSpPr>
+          <p:cNvPr id="13" name="Oval 12">
+            <a:extLst>
+              <a:ext uri="{FF2B5EF4-FFF2-40B4-BE49-F238E27FC236}">
+                <a16:creationId xmlns:a16="http://schemas.microsoft.com/office/drawing/2014/main" id="{A0F51CDC-D6BD-4100-8F3A-406F57FA16F1}"/>
+              </a:ext>
+            </a:extLst>
+          </p:cNvPr>
+          <p:cNvSpPr/>
+          <p:nvPr/>
+        </p:nvSpPr>
+        <p:spPr>
+          <a:xfrm>
+            <a:off x="6245337" y="4081105"/>
+            <a:ext cx="643296" cy="661679"/>
+          </a:xfrm>
+          <a:prstGeom prst="ellipse">
+            <a:avLst/>
+          </a:prstGeom>
+        </p:spPr>
+        <p:style>
+          <a:lnRef idx="2">
+            <a:schemeClr val="accent1">
+              <a:shade val="50000"/>
+            </a:schemeClr>
+          </a:lnRef>
+          <a:fillRef idx="1">
+            <a:schemeClr val="accent1"/>
+          </a:fillRef>
+          <a:effectRef idx="0">
+            <a:schemeClr val="accent1"/>
+          </a:effectRef>
+          <a:fontRef idx="minor">
+            <a:schemeClr val="lt1"/>
+          </a:fontRef>
+        </p:style>
+        <p:txBody>
+          <a:bodyPr rtlCol="0" anchor="ctr"/>
+          <a:lstStyle/>
+          <a:p>
+            <a:pPr algn="ctr"/>
+            <a:endParaRPr lang="fr-FR"/>
+          </a:p>
+        </p:txBody>
+      </p:sp>
+      <p:cxnSp>
+        <p:nvCxnSpPr>
+          <p:cNvPr id="14" name="Straight Arrow Connector 13">
+            <a:extLst>
+              <a:ext uri="{FF2B5EF4-FFF2-40B4-BE49-F238E27FC236}">
+                <a16:creationId xmlns:a16="http://schemas.microsoft.com/office/drawing/2014/main" id="{3DD81ADE-79EE-432A-B04E-57643DF3C59E}"/>
+              </a:ext>
+            </a:extLst>
+          </p:cNvPr>
+          <p:cNvCxnSpPr>
+            <a:cxnSpLocks/>
+          </p:cNvCxnSpPr>
+          <p:nvPr/>
+        </p:nvCxnSpPr>
+        <p:spPr>
+          <a:xfrm>
+            <a:off x="5169379" y="2300539"/>
+            <a:ext cx="6521002" cy="2612255"/>
+          </a:xfrm>
+          <a:prstGeom prst="straightConnector1">
+            <a:avLst/>
+          </a:prstGeom>
+          <a:ln w="76200">
+            <a:tailEnd type="triangle"/>
+          </a:ln>
+        </p:spPr>
+        <p:style>
+          <a:lnRef idx="1">
+            <a:schemeClr val="accent1"/>
+          </a:lnRef>
+          <a:fillRef idx="0">
+            <a:schemeClr val="accent1"/>
+          </a:fillRef>
+          <a:effectRef idx="0">
+            <a:schemeClr val="accent1"/>
+          </a:effectRef>
+          <a:fontRef idx="minor">
+            <a:schemeClr val="tx1"/>
+          </a:fontRef>
+        </p:style>
+      </p:cxnSp>
+      <p:sp>
+        <p:nvSpPr>
+          <p:cNvPr id="15" name="Oval 14">
+            <a:extLst>
+              <a:ext uri="{FF2B5EF4-FFF2-40B4-BE49-F238E27FC236}">
+                <a16:creationId xmlns:a16="http://schemas.microsoft.com/office/drawing/2014/main" id="{ADD7FBE5-9BD5-455F-BAA3-C2002FE5D95F}"/>
+              </a:ext>
+            </a:extLst>
+          </p:cNvPr>
+          <p:cNvSpPr/>
+          <p:nvPr/>
+        </p:nvSpPr>
+        <p:spPr>
+          <a:xfrm>
+            <a:off x="6484275" y="2661257"/>
+            <a:ext cx="643296" cy="661679"/>
+          </a:xfrm>
+          <a:prstGeom prst="ellipse">
+            <a:avLst/>
+          </a:prstGeom>
+        </p:spPr>
+        <p:style>
+          <a:lnRef idx="2">
+            <a:schemeClr val="accent1">
+              <a:shade val="50000"/>
+            </a:schemeClr>
+          </a:lnRef>
+          <a:fillRef idx="1">
+            <a:schemeClr val="accent1"/>
+          </a:fillRef>
+          <a:effectRef idx="0">
+            <a:schemeClr val="accent1"/>
+          </a:effectRef>
+          <a:fontRef idx="minor">
+            <a:schemeClr val="lt1"/>
+          </a:fontRef>
+        </p:style>
+        <p:txBody>
+          <a:bodyPr rtlCol="0" anchor="ctr"/>
+          <a:lstStyle/>
+          <a:p>
+            <a:pPr algn="ctr"/>
+            <a:endParaRPr lang="fr-FR"/>
+          </a:p>
+        </p:txBody>
+      </p:sp>
+      <p:sp>
+        <p:nvSpPr>
+          <p:cNvPr id="16" name="Oval 15">
+            <a:extLst>
+              <a:ext uri="{FF2B5EF4-FFF2-40B4-BE49-F238E27FC236}">
+                <a16:creationId xmlns:a16="http://schemas.microsoft.com/office/drawing/2014/main" id="{25A41F51-E587-4802-B9E2-9D5CCF0D728B}"/>
+              </a:ext>
+            </a:extLst>
+          </p:cNvPr>
+          <p:cNvSpPr/>
+          <p:nvPr/>
+        </p:nvSpPr>
+        <p:spPr>
+          <a:xfrm>
+            <a:off x="9912892" y="4017541"/>
+            <a:ext cx="643296" cy="661679"/>
+          </a:xfrm>
+          <a:prstGeom prst="ellipse">
+            <a:avLst/>
+          </a:prstGeom>
+        </p:spPr>
+        <p:style>
+          <a:lnRef idx="2">
+            <a:schemeClr val="accent1">
+              <a:shade val="50000"/>
+            </a:schemeClr>
+          </a:lnRef>
+          <a:fillRef idx="1">
+            <a:schemeClr val="accent1"/>
+          </a:fillRef>
+          <a:effectRef idx="0">
+            <a:schemeClr val="accent1"/>
+          </a:effectRef>
+          <a:fontRef idx="minor">
+            <a:schemeClr val="lt1"/>
+          </a:fontRef>
+        </p:style>
+        <p:txBody>
+          <a:bodyPr rtlCol="0" anchor="ctr"/>
+          <a:lstStyle/>
+          <a:p>
+            <a:pPr algn="ctr"/>
+            <a:endParaRPr lang="fr-FR"/>
+          </a:p>
+        </p:txBody>
+      </p:sp>
+      <p:cxnSp>
+        <p:nvCxnSpPr>
+          <p:cNvPr id="17" name="Straight Arrow Connector 16">
+            <a:extLst>
+              <a:ext uri="{FF2B5EF4-FFF2-40B4-BE49-F238E27FC236}">
+                <a16:creationId xmlns:a16="http://schemas.microsoft.com/office/drawing/2014/main" id="{37B54313-C68E-4CC3-9622-C4537C5E3EAD}"/>
+              </a:ext>
+            </a:extLst>
+          </p:cNvPr>
+          <p:cNvCxnSpPr>
+            <a:cxnSpLocks/>
+          </p:cNvCxnSpPr>
+          <p:nvPr/>
+        </p:nvCxnSpPr>
+        <p:spPr>
+          <a:xfrm>
+            <a:off x="8865636" y="2236975"/>
+            <a:ext cx="6521002" cy="2612255"/>
+          </a:xfrm>
+          <a:prstGeom prst="straightConnector1">
+            <a:avLst/>
+          </a:prstGeom>
+          <a:ln w="76200">
+            <a:tailEnd type="triangle"/>
+          </a:ln>
+        </p:spPr>
+        <p:style>
+          <a:lnRef idx="1">
+            <a:schemeClr val="accent1"/>
+          </a:lnRef>
+          <a:fillRef idx="0">
+            <a:schemeClr val="accent1"/>
+          </a:fillRef>
+          <a:effectRef idx="0">
+            <a:schemeClr val="accent1"/>
+          </a:effectRef>
+          <a:fontRef idx="minor">
+            <a:schemeClr val="tx1"/>
+          </a:fontRef>
+        </p:style>
+      </p:cxnSp>
+      <p:sp>
+        <p:nvSpPr>
+          <p:cNvPr id="18" name="Oval 17">
+            <a:extLst>
+              <a:ext uri="{FF2B5EF4-FFF2-40B4-BE49-F238E27FC236}">
+                <a16:creationId xmlns:a16="http://schemas.microsoft.com/office/drawing/2014/main" id="{9FA4CA9E-796B-41CE-8C84-B72AA70387ED}"/>
+              </a:ext>
+            </a:extLst>
+          </p:cNvPr>
+          <p:cNvSpPr/>
+          <p:nvPr/>
+        </p:nvSpPr>
+        <p:spPr>
+          <a:xfrm>
+            <a:off x="10180532" y="2597693"/>
+            <a:ext cx="643296" cy="661679"/>
+          </a:xfrm>
+          <a:prstGeom prst="ellipse">
+            <a:avLst/>
+          </a:prstGeom>
+        </p:spPr>
+        <p:style>
+          <a:lnRef idx="2">
+            <a:schemeClr val="accent1">
+              <a:shade val="50000"/>
+            </a:schemeClr>
+          </a:lnRef>
+          <a:fillRef idx="1">
+            <a:schemeClr val="accent1"/>
+          </a:fillRef>
+          <a:effectRef idx="0">
+            <a:schemeClr val="accent1"/>
+          </a:effectRef>
+          <a:fontRef idx="minor">
+            <a:schemeClr val="lt1"/>
+          </a:fontRef>
+        </p:style>
+        <p:txBody>
+          <a:bodyPr rtlCol="0" anchor="ctr"/>
+          <a:lstStyle/>
+          <a:p>
+            <a:pPr algn="ctr"/>
+            <a:endParaRPr lang="fr-FR"/>
+          </a:p>
+        </p:txBody>
+      </p:sp>
+      <p:sp>
+        <p:nvSpPr>
+          <p:cNvPr id="19" name="Oval 18">
+            <a:extLst>
+              <a:ext uri="{FF2B5EF4-FFF2-40B4-BE49-F238E27FC236}">
+                <a16:creationId xmlns:a16="http://schemas.microsoft.com/office/drawing/2014/main" id="{27049DE8-3028-4EAF-A2B1-D05CA66C521E}"/>
+              </a:ext>
+            </a:extLst>
+          </p:cNvPr>
+          <p:cNvSpPr/>
+          <p:nvPr/>
+        </p:nvSpPr>
+        <p:spPr>
+          <a:xfrm>
+            <a:off x="13609149" y="3953977"/>
+            <a:ext cx="643296" cy="661679"/>
+          </a:xfrm>
+          <a:prstGeom prst="ellipse">
+            <a:avLst/>
+          </a:prstGeom>
+        </p:spPr>
+        <p:style>
+          <a:lnRef idx="2">
+            <a:schemeClr val="accent1">
+              <a:shade val="50000"/>
+            </a:schemeClr>
+          </a:lnRef>
+          <a:fillRef idx="1">
+            <a:schemeClr val="accent1"/>
+          </a:fillRef>
+          <a:effectRef idx="0">
+            <a:schemeClr val="accent1"/>
+          </a:effectRef>
+          <a:fontRef idx="minor">
+            <a:schemeClr val="lt1"/>
+          </a:fontRef>
+        </p:style>
+        <p:txBody>
+          <a:bodyPr rtlCol="0" anchor="ctr"/>
+          <a:lstStyle/>
+          <a:p>
+            <a:pPr algn="ctr"/>
+            <a:endParaRPr lang="fr-FR"/>
+          </a:p>
+        </p:txBody>
+      </p:sp>
+      <p:cxnSp>
+        <p:nvCxnSpPr>
+          <p:cNvPr id="21" name="Straight Arrow Connector 20">
+            <a:extLst>
+              <a:ext uri="{FF2B5EF4-FFF2-40B4-BE49-F238E27FC236}">
+                <a16:creationId xmlns:a16="http://schemas.microsoft.com/office/drawing/2014/main" id="{A3D3A268-4784-4057-BA3D-970CD446CCC1}"/>
+              </a:ext>
+            </a:extLst>
+          </p:cNvPr>
+          <p:cNvCxnSpPr/>
+          <p:nvPr/>
+        </p:nvCxnSpPr>
+        <p:spPr>
+          <a:xfrm>
+            <a:off x="292231" y="6127423"/>
+            <a:ext cx="11500701" cy="0"/>
+          </a:xfrm>
+          <a:prstGeom prst="straightConnector1">
+            <a:avLst/>
+          </a:prstGeom>
+          <a:ln w="76200">
+            <a:tailEnd type="triangle"/>
+          </a:ln>
+        </p:spPr>
+        <p:style>
+          <a:lnRef idx="1">
+            <a:schemeClr val="accent1"/>
+          </a:lnRef>
+          <a:fillRef idx="0">
+            <a:schemeClr val="accent1"/>
+          </a:fillRef>
+          <a:effectRef idx="0">
+            <a:schemeClr val="accent1"/>
+          </a:effectRef>
+          <a:fontRef idx="minor">
+            <a:schemeClr val="tx1"/>
+          </a:fontRef>
+        </p:style>
+      </p:cxnSp>
+      <p:sp>
+        <p:nvSpPr>
+          <p:cNvPr id="22" name="Oval 21">
+            <a:extLst>
+              <a:ext uri="{FF2B5EF4-FFF2-40B4-BE49-F238E27FC236}">
+                <a16:creationId xmlns:a16="http://schemas.microsoft.com/office/drawing/2014/main" id="{9CDF1CF4-2EDD-4ACC-AFF6-771CF4E7AFF6}"/>
+              </a:ext>
+            </a:extLst>
+          </p:cNvPr>
+          <p:cNvSpPr/>
+          <p:nvPr/>
+        </p:nvSpPr>
+        <p:spPr>
+          <a:xfrm>
+            <a:off x="2761730" y="5695835"/>
+            <a:ext cx="643296" cy="661679"/>
+          </a:xfrm>
+          <a:prstGeom prst="ellipse">
+            <a:avLst/>
+          </a:prstGeom>
+        </p:spPr>
+        <p:style>
+          <a:lnRef idx="2">
+            <a:schemeClr val="accent1">
+              <a:shade val="50000"/>
+            </a:schemeClr>
+          </a:lnRef>
+          <a:fillRef idx="1">
+            <a:schemeClr val="accent1"/>
+          </a:fillRef>
+          <a:effectRef idx="0">
+            <a:schemeClr val="accent1"/>
+          </a:effectRef>
+          <a:fontRef idx="minor">
+            <a:schemeClr val="lt1"/>
+          </a:fontRef>
+        </p:style>
+        <p:txBody>
+          <a:bodyPr rtlCol="0" anchor="ctr"/>
+          <a:lstStyle/>
+          <a:p>
+            <a:pPr algn="ctr"/>
+            <a:endParaRPr lang="fr-FR"/>
+          </a:p>
+        </p:txBody>
+      </p:sp>
+      <p:cxnSp>
+        <p:nvCxnSpPr>
+          <p:cNvPr id="24" name="Straight Connector 23">
+            <a:extLst>
+              <a:ext uri="{FF2B5EF4-FFF2-40B4-BE49-F238E27FC236}">
+                <a16:creationId xmlns:a16="http://schemas.microsoft.com/office/drawing/2014/main" id="{EB77EC17-58B9-4204-9814-8DC8A896A4A0}"/>
+              </a:ext>
+            </a:extLst>
+          </p:cNvPr>
+          <p:cNvCxnSpPr/>
+          <p:nvPr/>
+        </p:nvCxnSpPr>
+        <p:spPr>
+          <a:xfrm>
+            <a:off x="4752703" y="3322936"/>
+            <a:ext cx="356625" cy="961880"/>
+          </a:xfrm>
+          <a:prstGeom prst="line">
+            <a:avLst/>
+          </a:prstGeom>
+          <a:ln w="76200"/>
+        </p:spPr>
+        <p:style>
+          <a:lnRef idx="1">
+            <a:schemeClr val="accent1"/>
+          </a:lnRef>
+          <a:fillRef idx="0">
+            <a:schemeClr val="accent1"/>
+          </a:fillRef>
+          <a:effectRef idx="0">
+            <a:schemeClr val="accent1"/>
+          </a:effectRef>
+          <a:fontRef idx="minor">
+            <a:schemeClr val="tx1"/>
+          </a:fontRef>
+        </p:style>
+      </p:cxnSp>
+      <p:cxnSp>
+        <p:nvCxnSpPr>
+          <p:cNvPr id="26" name="Straight Connector 25">
+            <a:extLst>
+              <a:ext uri="{FF2B5EF4-FFF2-40B4-BE49-F238E27FC236}">
+                <a16:creationId xmlns:a16="http://schemas.microsoft.com/office/drawing/2014/main" id="{AF015B7F-58D5-434A-9375-D85D80BD551F}"/>
+              </a:ext>
+            </a:extLst>
+          </p:cNvPr>
+          <p:cNvCxnSpPr/>
+          <p:nvPr/>
+        </p:nvCxnSpPr>
+        <p:spPr>
+          <a:xfrm flipH="1">
+            <a:off x="4650880" y="3429000"/>
+            <a:ext cx="569777" cy="652105"/>
+          </a:xfrm>
+          <a:prstGeom prst="line">
+            <a:avLst/>
+          </a:prstGeom>
+          <a:ln w="76200"/>
+        </p:spPr>
+        <p:style>
+          <a:lnRef idx="1">
+            <a:schemeClr val="accent1"/>
+          </a:lnRef>
+          <a:fillRef idx="0">
+            <a:schemeClr val="accent1"/>
+          </a:fillRef>
+          <a:effectRef idx="0">
+            <a:schemeClr val="accent1"/>
+          </a:effectRef>
+          <a:fontRef idx="minor">
+            <a:schemeClr val="tx1"/>
+          </a:fontRef>
+        </p:style>
+      </p:cxnSp>
+      <p:sp>
+        <p:nvSpPr>
+          <p:cNvPr id="27" name="Oval 26">
+            <a:extLst>
+              <a:ext uri="{FF2B5EF4-FFF2-40B4-BE49-F238E27FC236}">
+                <a16:creationId xmlns:a16="http://schemas.microsoft.com/office/drawing/2014/main" id="{8A2352BD-0989-449F-BD8A-5650CCD46CA3}"/>
+              </a:ext>
+            </a:extLst>
+          </p:cNvPr>
+          <p:cNvSpPr/>
+          <p:nvPr/>
+        </p:nvSpPr>
+        <p:spPr>
+          <a:xfrm>
+            <a:off x="6563591" y="5831196"/>
+            <a:ext cx="643296" cy="661679"/>
+          </a:xfrm>
+          <a:prstGeom prst="ellipse">
+            <a:avLst/>
+          </a:prstGeom>
+        </p:spPr>
+        <p:style>
+          <a:lnRef idx="2">
+            <a:schemeClr val="accent1">
+              <a:shade val="50000"/>
+            </a:schemeClr>
+          </a:lnRef>
+          <a:fillRef idx="1">
+            <a:schemeClr val="accent1"/>
+          </a:fillRef>
+          <a:effectRef idx="0">
+            <a:schemeClr val="accent1"/>
+          </a:effectRef>
+          <a:fontRef idx="minor">
+            <a:schemeClr val="lt1"/>
+          </a:fontRef>
+        </p:style>
+        <p:txBody>
+          <a:bodyPr rtlCol="0" anchor="ctr"/>
+          <a:lstStyle/>
+          <a:p>
+            <a:pPr algn="ctr"/>
+            <a:endParaRPr lang="fr-FR"/>
+          </a:p>
+        </p:txBody>
+      </p:sp>
+      <p:cxnSp>
+        <p:nvCxnSpPr>
+          <p:cNvPr id="29" name="Straight Connector 28">
+            <a:extLst>
+              <a:ext uri="{FF2B5EF4-FFF2-40B4-BE49-F238E27FC236}">
+                <a16:creationId xmlns:a16="http://schemas.microsoft.com/office/drawing/2014/main" id="{B61F47AC-A881-4C3E-AE01-D3F0D050EA6C}"/>
+              </a:ext>
+            </a:extLst>
+          </p:cNvPr>
+          <p:cNvCxnSpPr/>
+          <p:nvPr/>
+        </p:nvCxnSpPr>
+        <p:spPr>
+          <a:xfrm>
+            <a:off x="8371002" y="3162693"/>
+            <a:ext cx="326319" cy="1003954"/>
+          </a:xfrm>
+          <a:prstGeom prst="line">
+            <a:avLst/>
+          </a:prstGeom>
+          <a:ln w="76200"/>
+        </p:spPr>
+        <p:style>
+          <a:lnRef idx="1">
+            <a:schemeClr val="accent1"/>
+          </a:lnRef>
+          <a:fillRef idx="0">
+            <a:schemeClr val="accent1"/>
+          </a:fillRef>
+          <a:effectRef idx="0">
+            <a:schemeClr val="accent1"/>
+          </a:effectRef>
+          <a:fontRef idx="minor">
+            <a:schemeClr val="tx1"/>
+          </a:fontRef>
+        </p:style>
+      </p:cxnSp>
+      <p:cxnSp>
+        <p:nvCxnSpPr>
+          <p:cNvPr id="31" name="Straight Connector 30">
+            <a:extLst>
+              <a:ext uri="{FF2B5EF4-FFF2-40B4-BE49-F238E27FC236}">
+                <a16:creationId xmlns:a16="http://schemas.microsoft.com/office/drawing/2014/main" id="{82BC5FFC-5902-4462-BE62-F1A943FC8C2B}"/>
+              </a:ext>
+            </a:extLst>
+          </p:cNvPr>
+          <p:cNvCxnSpPr/>
+          <p:nvPr/>
+        </p:nvCxnSpPr>
+        <p:spPr>
+          <a:xfrm flipH="1">
+            <a:off x="8174827" y="3259372"/>
+            <a:ext cx="602056" cy="821733"/>
+          </a:xfrm>
+          <a:prstGeom prst="line">
+            <a:avLst/>
+          </a:prstGeom>
+          <a:ln w="76200"/>
+        </p:spPr>
+        <p:style>
+          <a:lnRef idx="1">
+            <a:schemeClr val="accent1"/>
+          </a:lnRef>
+          <a:fillRef idx="0">
+            <a:schemeClr val="accent1"/>
+          </a:fillRef>
+          <a:effectRef idx="0">
+            <a:schemeClr val="accent1"/>
+          </a:effectRef>
+          <a:fontRef idx="minor">
+            <a:schemeClr val="tx1"/>
+          </a:fontRef>
+        </p:style>
+      </p:cxnSp>
+      <p:sp>
+        <p:nvSpPr>
+          <p:cNvPr id="32" name="Oval 31">
+            <a:extLst>
+              <a:ext uri="{FF2B5EF4-FFF2-40B4-BE49-F238E27FC236}">
+                <a16:creationId xmlns:a16="http://schemas.microsoft.com/office/drawing/2014/main" id="{DC4AE6D4-7BD0-4CDF-BFC7-9BAF8708AFB1}"/>
+              </a:ext>
+            </a:extLst>
+          </p:cNvPr>
+          <p:cNvSpPr/>
+          <p:nvPr/>
+        </p:nvSpPr>
+        <p:spPr>
+          <a:xfrm>
+            <a:off x="10097262" y="5736954"/>
+            <a:ext cx="643296" cy="661679"/>
+          </a:xfrm>
+          <a:prstGeom prst="ellipse">
+            <a:avLst/>
+          </a:prstGeom>
+        </p:spPr>
+        <p:style>
+          <a:lnRef idx="2">
+            <a:schemeClr val="accent1">
+              <a:shade val="50000"/>
+            </a:schemeClr>
+          </a:lnRef>
+          <a:fillRef idx="1">
+            <a:schemeClr val="accent1"/>
+          </a:fillRef>
+          <a:effectRef idx="0">
+            <a:schemeClr val="accent1"/>
+          </a:effectRef>
+          <a:fontRef idx="minor">
+            <a:schemeClr val="lt1"/>
+          </a:fontRef>
+        </p:style>
+        <p:txBody>
+          <a:bodyPr rtlCol="0" anchor="ctr"/>
+          <a:lstStyle/>
+          <a:p>
+            <a:pPr algn="ctr"/>
+            <a:endParaRPr lang="fr-FR"/>
+          </a:p>
+        </p:txBody>
+      </p:sp>
+    </p:spTree>
+    <p:extLst>
+      <p:ext uri="{BB962C8B-B14F-4D97-AF65-F5344CB8AC3E}">
+        <p14:creationId xmlns:p14="http://schemas.microsoft.com/office/powerpoint/2010/main" val="1640474106"/>
+      </p:ext>
+    </p:extLst>
+  </p:cSld>
+  <p:clrMapOvr>
+    <a:masterClrMapping/>
+  </p:clrMapOvr>
+</p:sld>
+</file>
+
+<file path=ppt/slides/slide23.xml><?xml version="1.0" encoding="utf-8"?>
+<p:sld xmlns:a="http://schemas.openxmlformats.org/drawingml/2006/main" xmlns:r="http://schemas.openxmlformats.org/officeDocument/2006/relationships" xmlns:p="http://schemas.openxmlformats.org/presentationml/2006/main">
+  <p:cSld>
+    <p:spTree>
+      <p:nvGrpSpPr>
+        <p:cNvPr id="1" name=""/>
+        <p:cNvGrpSpPr/>
+        <p:nvPr/>
+      </p:nvGrpSpPr>
+      <p:grpSpPr>
+        <a:xfrm>
+          <a:off x="0" y="0"/>
+          <a:ext cx="0" cy="0"/>
+          <a:chOff x="0" y="0"/>
+          <a:chExt cx="0" cy="0"/>
+        </a:xfrm>
+      </p:grpSpPr>
+      <p:sp>
+        <p:nvSpPr>
+          <p:cNvPr id="2" name="Title 1">
+            <a:extLst>
+              <a:ext uri="{FF2B5EF4-FFF2-40B4-BE49-F238E27FC236}">
+                <a16:creationId xmlns:a16="http://schemas.microsoft.com/office/drawing/2014/main" id="{0854E774-EE8E-424E-8B85-8A704378A8BF}"/>
+              </a:ext>
+            </a:extLst>
+          </p:cNvPr>
+          <p:cNvSpPr>
+            <a:spLocks noGrp="1"/>
+          </p:cNvSpPr>
+          <p:nvPr>
+            <p:ph type="title"/>
+          </p:nvPr>
+        </p:nvSpPr>
+        <p:spPr/>
+        <p:txBody>
+          <a:bodyPr/>
+          <a:lstStyle/>
+          <a:p>
+            <a:r>
+              <a:rPr lang="fr-FR" dirty="0" err="1"/>
+              <a:t>MergeMap</a:t>
+            </a:r>
+            <a:endParaRPr lang="fr-FR" dirty="0"/>
+          </a:p>
+        </p:txBody>
+      </p:sp>
+      <p:cxnSp>
+        <p:nvCxnSpPr>
+          <p:cNvPr id="5" name="Straight Arrow Connector 4">
+            <a:extLst>
+              <a:ext uri="{FF2B5EF4-FFF2-40B4-BE49-F238E27FC236}">
+                <a16:creationId xmlns:a16="http://schemas.microsoft.com/office/drawing/2014/main" id="{0E37A925-0097-44E5-AE8A-19BCC7B87B0E}"/>
+              </a:ext>
+            </a:extLst>
+          </p:cNvPr>
+          <p:cNvCxnSpPr/>
+          <p:nvPr/>
+        </p:nvCxnSpPr>
+        <p:spPr>
+          <a:xfrm flipV="1">
+            <a:off x="363003" y="2081524"/>
+            <a:ext cx="11152004" cy="41354"/>
+          </a:xfrm>
+          <a:prstGeom prst="straightConnector1">
+            <a:avLst/>
+          </a:prstGeom>
+          <a:ln w="76200">
+            <a:tailEnd type="triangle"/>
+          </a:ln>
+        </p:spPr>
+        <p:style>
+          <a:lnRef idx="1">
+            <a:schemeClr val="accent1"/>
+          </a:lnRef>
+          <a:fillRef idx="0">
+            <a:schemeClr val="accent1"/>
+          </a:fillRef>
+          <a:effectRef idx="0">
+            <a:schemeClr val="accent1"/>
+          </a:effectRef>
+          <a:fontRef idx="minor">
+            <a:schemeClr val="tx1"/>
+          </a:fontRef>
+        </p:style>
+      </p:cxnSp>
+      <p:sp>
+        <p:nvSpPr>
+          <p:cNvPr id="6" name="Oval 5">
+            <a:extLst>
+              <a:ext uri="{FF2B5EF4-FFF2-40B4-BE49-F238E27FC236}">
+                <a16:creationId xmlns:a16="http://schemas.microsoft.com/office/drawing/2014/main" id="{BBF97A40-950F-468E-8767-FDA3333D5B31}"/>
+              </a:ext>
+            </a:extLst>
+          </p:cNvPr>
+          <p:cNvSpPr/>
+          <p:nvPr/>
+        </p:nvSpPr>
+        <p:spPr>
+          <a:xfrm>
+            <a:off x="1015489" y="1815015"/>
+            <a:ext cx="569777" cy="643297"/>
+          </a:xfrm>
+          <a:prstGeom prst="ellipse">
+            <a:avLst/>
+          </a:prstGeom>
+        </p:spPr>
+        <p:style>
+          <a:lnRef idx="2">
+            <a:schemeClr val="accent1">
+              <a:shade val="50000"/>
+            </a:schemeClr>
+          </a:lnRef>
+          <a:fillRef idx="1">
+            <a:schemeClr val="accent1"/>
+          </a:fillRef>
+          <a:effectRef idx="0">
+            <a:schemeClr val="accent1"/>
+          </a:effectRef>
+          <a:fontRef idx="minor">
+            <a:schemeClr val="lt1"/>
+          </a:fontRef>
+        </p:style>
+        <p:txBody>
+          <a:bodyPr rtlCol="0" anchor="ctr"/>
+          <a:lstStyle/>
+          <a:p>
+            <a:pPr algn="ctr"/>
+            <a:endParaRPr lang="fr-FR"/>
+          </a:p>
+        </p:txBody>
+      </p:sp>
+      <p:sp>
+        <p:nvSpPr>
+          <p:cNvPr id="7" name="Oval 6">
+            <a:extLst>
+              <a:ext uri="{FF2B5EF4-FFF2-40B4-BE49-F238E27FC236}">
+                <a16:creationId xmlns:a16="http://schemas.microsoft.com/office/drawing/2014/main" id="{8622218E-30D5-4D34-8B39-2A0A6C03D2E0}"/>
+              </a:ext>
+            </a:extLst>
+          </p:cNvPr>
+          <p:cNvSpPr/>
+          <p:nvPr/>
+        </p:nvSpPr>
+        <p:spPr>
+          <a:xfrm>
+            <a:off x="4650880" y="1801229"/>
+            <a:ext cx="569777" cy="643297"/>
+          </a:xfrm>
+          <a:prstGeom prst="ellipse">
+            <a:avLst/>
+          </a:prstGeom>
+        </p:spPr>
+        <p:style>
+          <a:lnRef idx="2">
+            <a:schemeClr val="accent1">
+              <a:shade val="50000"/>
+            </a:schemeClr>
+          </a:lnRef>
+          <a:fillRef idx="1">
+            <a:schemeClr val="accent1"/>
+          </a:fillRef>
+          <a:effectRef idx="0">
+            <a:schemeClr val="accent1"/>
+          </a:effectRef>
+          <a:fontRef idx="minor">
+            <a:schemeClr val="lt1"/>
+          </a:fontRef>
+        </p:style>
+        <p:txBody>
+          <a:bodyPr rtlCol="0" anchor="ctr"/>
+          <a:lstStyle/>
+          <a:p>
+            <a:pPr algn="ctr"/>
+            <a:endParaRPr lang="fr-FR"/>
+          </a:p>
+        </p:txBody>
+      </p:sp>
+      <p:sp>
+        <p:nvSpPr>
+          <p:cNvPr id="8" name="Oval 7">
+            <a:extLst>
+              <a:ext uri="{FF2B5EF4-FFF2-40B4-BE49-F238E27FC236}">
+                <a16:creationId xmlns:a16="http://schemas.microsoft.com/office/drawing/2014/main" id="{E10C6736-E026-4B31-8FD3-461EEE3D3A10}"/>
+              </a:ext>
+            </a:extLst>
+          </p:cNvPr>
+          <p:cNvSpPr/>
+          <p:nvPr/>
+        </p:nvSpPr>
+        <p:spPr>
+          <a:xfrm>
+            <a:off x="8336816" y="1801228"/>
+            <a:ext cx="569777" cy="643297"/>
+          </a:xfrm>
+          <a:prstGeom prst="ellipse">
+            <a:avLst/>
+          </a:prstGeom>
+        </p:spPr>
+        <p:style>
+          <a:lnRef idx="2">
+            <a:schemeClr val="accent1">
+              <a:shade val="50000"/>
+            </a:schemeClr>
+          </a:lnRef>
+          <a:fillRef idx="1">
+            <a:schemeClr val="accent1"/>
+          </a:fillRef>
+          <a:effectRef idx="0">
+            <a:schemeClr val="accent1"/>
+          </a:effectRef>
+          <a:fontRef idx="minor">
+            <a:schemeClr val="lt1"/>
+          </a:fontRef>
+        </p:style>
+        <p:txBody>
+          <a:bodyPr rtlCol="0" anchor="ctr"/>
+          <a:lstStyle/>
+          <a:p>
+            <a:pPr algn="ctr"/>
+            <a:endParaRPr lang="fr-FR"/>
+          </a:p>
+        </p:txBody>
+      </p:sp>
+      <p:cxnSp>
+        <p:nvCxnSpPr>
+          <p:cNvPr id="10" name="Straight Arrow Connector 9">
+            <a:extLst>
+              <a:ext uri="{FF2B5EF4-FFF2-40B4-BE49-F238E27FC236}">
+                <a16:creationId xmlns:a16="http://schemas.microsoft.com/office/drawing/2014/main" id="{47DA888A-45FB-4FAF-8BD1-644EAE05E02A}"/>
+              </a:ext>
+            </a:extLst>
+          </p:cNvPr>
+          <p:cNvCxnSpPr>
+            <a:cxnSpLocks/>
+            <a:stCxn id="6" idx="5"/>
+          </p:cNvCxnSpPr>
+          <p:nvPr/>
+        </p:nvCxnSpPr>
+        <p:spPr>
+          <a:xfrm>
+            <a:off x="1501824" y="2364103"/>
+            <a:ext cx="6521002" cy="2612255"/>
+          </a:xfrm>
+          <a:prstGeom prst="straightConnector1">
+            <a:avLst/>
+          </a:prstGeom>
+          <a:ln w="76200">
+            <a:tailEnd type="triangle"/>
+          </a:ln>
+        </p:spPr>
+        <p:style>
+          <a:lnRef idx="1">
+            <a:schemeClr val="accent1"/>
+          </a:lnRef>
+          <a:fillRef idx="0">
+            <a:schemeClr val="accent1"/>
+          </a:fillRef>
+          <a:effectRef idx="0">
+            <a:schemeClr val="accent1"/>
+          </a:effectRef>
+          <a:fontRef idx="minor">
+            <a:schemeClr val="tx1"/>
+          </a:fontRef>
+        </p:style>
+      </p:cxnSp>
+      <p:sp>
+        <p:nvSpPr>
+          <p:cNvPr id="11" name="Oval 10">
+            <a:extLst>
+              <a:ext uri="{FF2B5EF4-FFF2-40B4-BE49-F238E27FC236}">
+                <a16:creationId xmlns:a16="http://schemas.microsoft.com/office/drawing/2014/main" id="{DF557F84-87A3-46B3-964F-C2369741245D}"/>
+              </a:ext>
+            </a:extLst>
+          </p:cNvPr>
+          <p:cNvSpPr/>
+          <p:nvPr/>
+        </p:nvSpPr>
+        <p:spPr>
+          <a:xfrm>
+            <a:off x="2816720" y="2724821"/>
+            <a:ext cx="643296" cy="661679"/>
+          </a:xfrm>
+          <a:prstGeom prst="ellipse">
+            <a:avLst/>
+          </a:prstGeom>
+        </p:spPr>
+        <p:style>
+          <a:lnRef idx="2">
+            <a:schemeClr val="accent1">
+              <a:shade val="50000"/>
+            </a:schemeClr>
+          </a:lnRef>
+          <a:fillRef idx="1">
+            <a:schemeClr val="accent1"/>
+          </a:fillRef>
+          <a:effectRef idx="0">
+            <a:schemeClr val="accent1"/>
+          </a:effectRef>
+          <a:fontRef idx="minor">
+            <a:schemeClr val="lt1"/>
+          </a:fontRef>
+        </p:style>
+        <p:txBody>
+          <a:bodyPr rtlCol="0" anchor="ctr"/>
+          <a:lstStyle/>
+          <a:p>
+            <a:pPr algn="ctr"/>
+            <a:endParaRPr lang="fr-FR"/>
+          </a:p>
+        </p:txBody>
+      </p:sp>
+      <p:sp>
+        <p:nvSpPr>
+          <p:cNvPr id="13" name="Oval 12">
+            <a:extLst>
+              <a:ext uri="{FF2B5EF4-FFF2-40B4-BE49-F238E27FC236}">
+                <a16:creationId xmlns:a16="http://schemas.microsoft.com/office/drawing/2014/main" id="{A0F51CDC-D6BD-4100-8F3A-406F57FA16F1}"/>
+              </a:ext>
+            </a:extLst>
+          </p:cNvPr>
+          <p:cNvSpPr/>
+          <p:nvPr/>
+        </p:nvSpPr>
+        <p:spPr>
+          <a:xfrm>
+            <a:off x="6245337" y="4081105"/>
+            <a:ext cx="643296" cy="661679"/>
+          </a:xfrm>
+          <a:prstGeom prst="ellipse">
+            <a:avLst/>
+          </a:prstGeom>
+        </p:spPr>
+        <p:style>
+          <a:lnRef idx="2">
+            <a:schemeClr val="accent1">
+              <a:shade val="50000"/>
+            </a:schemeClr>
+          </a:lnRef>
+          <a:fillRef idx="1">
+            <a:schemeClr val="accent1"/>
+          </a:fillRef>
+          <a:effectRef idx="0">
+            <a:schemeClr val="accent1"/>
+          </a:effectRef>
+          <a:fontRef idx="minor">
+            <a:schemeClr val="lt1"/>
+          </a:fontRef>
+        </p:style>
+        <p:txBody>
+          <a:bodyPr rtlCol="0" anchor="ctr"/>
+          <a:lstStyle/>
+          <a:p>
+            <a:pPr algn="ctr"/>
+            <a:endParaRPr lang="fr-FR"/>
+          </a:p>
+        </p:txBody>
+      </p:sp>
+      <p:cxnSp>
+        <p:nvCxnSpPr>
+          <p:cNvPr id="14" name="Straight Arrow Connector 13">
+            <a:extLst>
+              <a:ext uri="{FF2B5EF4-FFF2-40B4-BE49-F238E27FC236}">
+                <a16:creationId xmlns:a16="http://schemas.microsoft.com/office/drawing/2014/main" id="{3DD81ADE-79EE-432A-B04E-57643DF3C59E}"/>
+              </a:ext>
+            </a:extLst>
+          </p:cNvPr>
+          <p:cNvCxnSpPr>
+            <a:cxnSpLocks/>
+          </p:cNvCxnSpPr>
+          <p:nvPr/>
+        </p:nvCxnSpPr>
+        <p:spPr>
+          <a:xfrm>
+            <a:off x="5169379" y="2300539"/>
+            <a:ext cx="6521002" cy="2612255"/>
+          </a:xfrm>
+          <a:prstGeom prst="straightConnector1">
+            <a:avLst/>
+          </a:prstGeom>
+          <a:ln w="76200">
+            <a:tailEnd type="triangle"/>
+          </a:ln>
+        </p:spPr>
+        <p:style>
+          <a:lnRef idx="1">
+            <a:schemeClr val="accent1"/>
+          </a:lnRef>
+          <a:fillRef idx="0">
+            <a:schemeClr val="accent1"/>
+          </a:fillRef>
+          <a:effectRef idx="0">
+            <a:schemeClr val="accent1"/>
+          </a:effectRef>
+          <a:fontRef idx="minor">
+            <a:schemeClr val="tx1"/>
+          </a:fontRef>
+        </p:style>
+      </p:cxnSp>
+      <p:sp>
+        <p:nvSpPr>
+          <p:cNvPr id="15" name="Oval 14">
+            <a:extLst>
+              <a:ext uri="{FF2B5EF4-FFF2-40B4-BE49-F238E27FC236}">
+                <a16:creationId xmlns:a16="http://schemas.microsoft.com/office/drawing/2014/main" id="{ADD7FBE5-9BD5-455F-BAA3-C2002FE5D95F}"/>
+              </a:ext>
+            </a:extLst>
+          </p:cNvPr>
+          <p:cNvSpPr/>
+          <p:nvPr/>
+        </p:nvSpPr>
+        <p:spPr>
+          <a:xfrm>
+            <a:off x="6484275" y="2661257"/>
+            <a:ext cx="643296" cy="661679"/>
+          </a:xfrm>
+          <a:prstGeom prst="ellipse">
+            <a:avLst/>
+          </a:prstGeom>
+        </p:spPr>
+        <p:style>
+          <a:lnRef idx="2">
+            <a:schemeClr val="accent1">
+              <a:shade val="50000"/>
+            </a:schemeClr>
+          </a:lnRef>
+          <a:fillRef idx="1">
+            <a:schemeClr val="accent1"/>
+          </a:fillRef>
+          <a:effectRef idx="0">
+            <a:schemeClr val="accent1"/>
+          </a:effectRef>
+          <a:fontRef idx="minor">
+            <a:schemeClr val="lt1"/>
+          </a:fontRef>
+        </p:style>
+        <p:txBody>
+          <a:bodyPr rtlCol="0" anchor="ctr"/>
+          <a:lstStyle/>
+          <a:p>
+            <a:pPr algn="ctr"/>
+            <a:endParaRPr lang="fr-FR"/>
+          </a:p>
+        </p:txBody>
+      </p:sp>
+      <p:sp>
+        <p:nvSpPr>
+          <p:cNvPr id="16" name="Oval 15">
+            <a:extLst>
+              <a:ext uri="{FF2B5EF4-FFF2-40B4-BE49-F238E27FC236}">
+                <a16:creationId xmlns:a16="http://schemas.microsoft.com/office/drawing/2014/main" id="{25A41F51-E587-4802-B9E2-9D5CCF0D728B}"/>
+              </a:ext>
+            </a:extLst>
+          </p:cNvPr>
+          <p:cNvSpPr/>
+          <p:nvPr/>
+        </p:nvSpPr>
+        <p:spPr>
+          <a:xfrm>
+            <a:off x="9912892" y="4017541"/>
+            <a:ext cx="643296" cy="661679"/>
+          </a:xfrm>
+          <a:prstGeom prst="ellipse">
+            <a:avLst/>
+          </a:prstGeom>
+        </p:spPr>
+        <p:style>
+          <a:lnRef idx="2">
+            <a:schemeClr val="accent1">
+              <a:shade val="50000"/>
+            </a:schemeClr>
+          </a:lnRef>
+          <a:fillRef idx="1">
+            <a:schemeClr val="accent1"/>
+          </a:fillRef>
+          <a:effectRef idx="0">
+            <a:schemeClr val="accent1"/>
+          </a:effectRef>
+          <a:fontRef idx="minor">
+            <a:schemeClr val="lt1"/>
+          </a:fontRef>
+        </p:style>
+        <p:txBody>
+          <a:bodyPr rtlCol="0" anchor="ctr"/>
+          <a:lstStyle/>
+          <a:p>
+            <a:pPr algn="ctr"/>
+            <a:endParaRPr lang="fr-FR"/>
+          </a:p>
+        </p:txBody>
+      </p:sp>
+      <p:cxnSp>
+        <p:nvCxnSpPr>
+          <p:cNvPr id="17" name="Straight Arrow Connector 16">
+            <a:extLst>
+              <a:ext uri="{FF2B5EF4-FFF2-40B4-BE49-F238E27FC236}">
+                <a16:creationId xmlns:a16="http://schemas.microsoft.com/office/drawing/2014/main" id="{37B54313-C68E-4CC3-9622-C4537C5E3EAD}"/>
+              </a:ext>
+            </a:extLst>
+          </p:cNvPr>
+          <p:cNvCxnSpPr>
+            <a:cxnSpLocks/>
+          </p:cNvCxnSpPr>
+          <p:nvPr/>
+        </p:nvCxnSpPr>
+        <p:spPr>
+          <a:xfrm>
+            <a:off x="8865636" y="2236975"/>
+            <a:ext cx="6521002" cy="2612255"/>
+          </a:xfrm>
+          <a:prstGeom prst="straightConnector1">
+            <a:avLst/>
+          </a:prstGeom>
+          <a:ln w="76200">
+            <a:tailEnd type="triangle"/>
+          </a:ln>
+        </p:spPr>
+        <p:style>
+          <a:lnRef idx="1">
+            <a:schemeClr val="accent1"/>
+          </a:lnRef>
+          <a:fillRef idx="0">
+            <a:schemeClr val="accent1"/>
+          </a:fillRef>
+          <a:effectRef idx="0">
+            <a:schemeClr val="accent1"/>
+          </a:effectRef>
+          <a:fontRef idx="minor">
+            <a:schemeClr val="tx1"/>
+          </a:fontRef>
+        </p:style>
+      </p:cxnSp>
+      <p:sp>
+        <p:nvSpPr>
+          <p:cNvPr id="18" name="Oval 17">
+            <a:extLst>
+              <a:ext uri="{FF2B5EF4-FFF2-40B4-BE49-F238E27FC236}">
+                <a16:creationId xmlns:a16="http://schemas.microsoft.com/office/drawing/2014/main" id="{9FA4CA9E-796B-41CE-8C84-B72AA70387ED}"/>
+              </a:ext>
+            </a:extLst>
+          </p:cNvPr>
+          <p:cNvSpPr/>
+          <p:nvPr/>
+        </p:nvSpPr>
+        <p:spPr>
+          <a:xfrm>
+            <a:off x="10180532" y="2597693"/>
+            <a:ext cx="643296" cy="661679"/>
+          </a:xfrm>
+          <a:prstGeom prst="ellipse">
+            <a:avLst/>
+          </a:prstGeom>
+        </p:spPr>
+        <p:style>
+          <a:lnRef idx="2">
+            <a:schemeClr val="accent1">
+              <a:shade val="50000"/>
+            </a:schemeClr>
+          </a:lnRef>
+          <a:fillRef idx="1">
+            <a:schemeClr val="accent1"/>
+          </a:fillRef>
+          <a:effectRef idx="0">
+            <a:schemeClr val="accent1"/>
+          </a:effectRef>
+          <a:fontRef idx="minor">
+            <a:schemeClr val="lt1"/>
+          </a:fontRef>
+        </p:style>
+        <p:txBody>
+          <a:bodyPr rtlCol="0" anchor="ctr"/>
+          <a:lstStyle/>
+          <a:p>
+            <a:pPr algn="ctr"/>
+            <a:endParaRPr lang="fr-FR"/>
+          </a:p>
+        </p:txBody>
+      </p:sp>
+      <p:sp>
+        <p:nvSpPr>
+          <p:cNvPr id="19" name="Oval 18">
+            <a:extLst>
+              <a:ext uri="{FF2B5EF4-FFF2-40B4-BE49-F238E27FC236}">
+                <a16:creationId xmlns:a16="http://schemas.microsoft.com/office/drawing/2014/main" id="{27049DE8-3028-4EAF-A2B1-D05CA66C521E}"/>
+              </a:ext>
+            </a:extLst>
+          </p:cNvPr>
+          <p:cNvSpPr/>
+          <p:nvPr/>
+        </p:nvSpPr>
+        <p:spPr>
+          <a:xfrm>
+            <a:off x="13609149" y="3953977"/>
+            <a:ext cx="643296" cy="661679"/>
+          </a:xfrm>
+          <a:prstGeom prst="ellipse">
+            <a:avLst/>
+          </a:prstGeom>
+        </p:spPr>
+        <p:style>
+          <a:lnRef idx="2">
+            <a:schemeClr val="accent1">
+              <a:shade val="50000"/>
+            </a:schemeClr>
+          </a:lnRef>
+          <a:fillRef idx="1">
+            <a:schemeClr val="accent1"/>
+          </a:fillRef>
+          <a:effectRef idx="0">
+            <a:schemeClr val="accent1"/>
+          </a:effectRef>
+          <a:fontRef idx="minor">
+            <a:schemeClr val="lt1"/>
+          </a:fontRef>
+        </p:style>
+        <p:txBody>
+          <a:bodyPr rtlCol="0" anchor="ctr"/>
+          <a:lstStyle/>
+          <a:p>
+            <a:pPr algn="ctr"/>
+            <a:endParaRPr lang="fr-FR"/>
+          </a:p>
+        </p:txBody>
+      </p:sp>
+      <p:cxnSp>
+        <p:nvCxnSpPr>
+          <p:cNvPr id="21" name="Straight Arrow Connector 20">
+            <a:extLst>
+              <a:ext uri="{FF2B5EF4-FFF2-40B4-BE49-F238E27FC236}">
+                <a16:creationId xmlns:a16="http://schemas.microsoft.com/office/drawing/2014/main" id="{A3D3A268-4784-4057-BA3D-970CD446CCC1}"/>
+              </a:ext>
+            </a:extLst>
+          </p:cNvPr>
+          <p:cNvCxnSpPr/>
+          <p:nvPr/>
+        </p:nvCxnSpPr>
+        <p:spPr>
+          <a:xfrm>
+            <a:off x="292231" y="6127423"/>
+            <a:ext cx="11500701" cy="0"/>
+          </a:xfrm>
+          <a:prstGeom prst="straightConnector1">
+            <a:avLst/>
+          </a:prstGeom>
+          <a:ln w="76200">
+            <a:tailEnd type="triangle"/>
+          </a:ln>
+        </p:spPr>
+        <p:style>
+          <a:lnRef idx="1">
+            <a:schemeClr val="accent1"/>
+          </a:lnRef>
+          <a:fillRef idx="0">
+            <a:schemeClr val="accent1"/>
+          </a:fillRef>
+          <a:effectRef idx="0">
+            <a:schemeClr val="accent1"/>
+          </a:effectRef>
+          <a:fontRef idx="minor">
+            <a:schemeClr val="tx1"/>
+          </a:fontRef>
+        </p:style>
+      </p:cxnSp>
+      <p:sp>
+        <p:nvSpPr>
+          <p:cNvPr id="22" name="Oval 21">
+            <a:extLst>
+              <a:ext uri="{FF2B5EF4-FFF2-40B4-BE49-F238E27FC236}">
+                <a16:creationId xmlns:a16="http://schemas.microsoft.com/office/drawing/2014/main" id="{9CDF1CF4-2EDD-4ACC-AFF6-771CF4E7AFF6}"/>
+              </a:ext>
+            </a:extLst>
+          </p:cNvPr>
+          <p:cNvSpPr/>
+          <p:nvPr/>
+        </p:nvSpPr>
+        <p:spPr>
+          <a:xfrm>
+            <a:off x="2761730" y="5695835"/>
+            <a:ext cx="643296" cy="661679"/>
+          </a:xfrm>
+          <a:prstGeom prst="ellipse">
+            <a:avLst/>
+          </a:prstGeom>
+        </p:spPr>
+        <p:style>
+          <a:lnRef idx="2">
+            <a:schemeClr val="accent1">
+              <a:shade val="50000"/>
+            </a:schemeClr>
+          </a:lnRef>
+          <a:fillRef idx="1">
+            <a:schemeClr val="accent1"/>
+          </a:fillRef>
+          <a:effectRef idx="0">
+            <a:schemeClr val="accent1"/>
+          </a:effectRef>
+          <a:fontRef idx="minor">
+            <a:schemeClr val="lt1"/>
+          </a:fontRef>
+        </p:style>
+        <p:txBody>
+          <a:bodyPr rtlCol="0" anchor="ctr"/>
+          <a:lstStyle/>
+          <a:p>
+            <a:pPr algn="ctr"/>
+            <a:endParaRPr lang="fr-FR"/>
+          </a:p>
+        </p:txBody>
+      </p:sp>
+      <p:sp>
+        <p:nvSpPr>
+          <p:cNvPr id="27" name="Oval 26">
+            <a:extLst>
+              <a:ext uri="{FF2B5EF4-FFF2-40B4-BE49-F238E27FC236}">
+                <a16:creationId xmlns:a16="http://schemas.microsoft.com/office/drawing/2014/main" id="{8A2352BD-0989-449F-BD8A-5650CCD46CA3}"/>
+              </a:ext>
+            </a:extLst>
+          </p:cNvPr>
+          <p:cNvSpPr/>
+          <p:nvPr/>
+        </p:nvSpPr>
+        <p:spPr>
+          <a:xfrm>
+            <a:off x="6563591" y="5831196"/>
+            <a:ext cx="643296" cy="661679"/>
+          </a:xfrm>
+          <a:prstGeom prst="ellipse">
+            <a:avLst/>
+          </a:prstGeom>
+        </p:spPr>
+        <p:style>
+          <a:lnRef idx="2">
+            <a:schemeClr val="accent1">
+              <a:shade val="50000"/>
+            </a:schemeClr>
+          </a:lnRef>
+          <a:fillRef idx="1">
+            <a:schemeClr val="accent1"/>
+          </a:fillRef>
+          <a:effectRef idx="0">
+            <a:schemeClr val="accent1"/>
+          </a:effectRef>
+          <a:fontRef idx="minor">
+            <a:schemeClr val="lt1"/>
+          </a:fontRef>
+        </p:style>
+        <p:txBody>
+          <a:bodyPr rtlCol="0" anchor="ctr"/>
+          <a:lstStyle/>
+          <a:p>
+            <a:pPr algn="ctr"/>
+            <a:endParaRPr lang="fr-FR"/>
+          </a:p>
+        </p:txBody>
+      </p:sp>
+      <p:sp>
+        <p:nvSpPr>
+          <p:cNvPr id="32" name="Oval 31">
+            <a:extLst>
+              <a:ext uri="{FF2B5EF4-FFF2-40B4-BE49-F238E27FC236}">
+                <a16:creationId xmlns:a16="http://schemas.microsoft.com/office/drawing/2014/main" id="{DC4AE6D4-7BD0-4CDF-BFC7-9BAF8708AFB1}"/>
+              </a:ext>
+            </a:extLst>
+          </p:cNvPr>
+          <p:cNvSpPr/>
+          <p:nvPr/>
+        </p:nvSpPr>
+        <p:spPr>
+          <a:xfrm>
+            <a:off x="10097262" y="5736954"/>
+            <a:ext cx="643296" cy="661679"/>
+          </a:xfrm>
+          <a:prstGeom prst="ellipse">
+            <a:avLst/>
+          </a:prstGeom>
+        </p:spPr>
+        <p:style>
+          <a:lnRef idx="2">
+            <a:schemeClr val="accent1">
+              <a:shade val="50000"/>
+            </a:schemeClr>
+          </a:lnRef>
+          <a:fillRef idx="1">
+            <a:schemeClr val="accent1"/>
+          </a:fillRef>
+          <a:effectRef idx="0">
+            <a:schemeClr val="accent1"/>
+          </a:effectRef>
+          <a:fontRef idx="minor">
+            <a:schemeClr val="lt1"/>
+          </a:fontRef>
+        </p:style>
+        <p:txBody>
+          <a:bodyPr rtlCol="0" anchor="ctr"/>
+          <a:lstStyle/>
+          <a:p>
+            <a:pPr algn="ctr"/>
+            <a:endParaRPr lang="fr-FR"/>
+          </a:p>
+        </p:txBody>
+      </p:sp>
+      <p:sp>
+        <p:nvSpPr>
+          <p:cNvPr id="25" name="Oval 24">
+            <a:extLst>
+              <a:ext uri="{FF2B5EF4-FFF2-40B4-BE49-F238E27FC236}">
+                <a16:creationId xmlns:a16="http://schemas.microsoft.com/office/drawing/2014/main" id="{DAFB702D-6A92-4AD8-A4F9-096B3C68DE4D}"/>
+              </a:ext>
+            </a:extLst>
+          </p:cNvPr>
+          <p:cNvSpPr/>
+          <p:nvPr/>
+        </p:nvSpPr>
+        <p:spPr>
+          <a:xfrm>
+            <a:off x="6162627" y="5804151"/>
+            <a:ext cx="643296" cy="661679"/>
+          </a:xfrm>
+          <a:prstGeom prst="ellipse">
+            <a:avLst/>
+          </a:prstGeom>
+        </p:spPr>
+        <p:style>
+          <a:lnRef idx="2">
+            <a:schemeClr val="accent1">
+              <a:shade val="50000"/>
+            </a:schemeClr>
+          </a:lnRef>
+          <a:fillRef idx="1">
+            <a:schemeClr val="accent1"/>
+          </a:fillRef>
+          <a:effectRef idx="0">
+            <a:schemeClr val="accent1"/>
+          </a:effectRef>
+          <a:fontRef idx="minor">
+            <a:schemeClr val="lt1"/>
+          </a:fontRef>
+        </p:style>
+        <p:txBody>
+          <a:bodyPr rtlCol="0" anchor="ctr"/>
+          <a:lstStyle/>
+          <a:p>
+            <a:pPr algn="ctr"/>
+            <a:endParaRPr lang="fr-FR"/>
+          </a:p>
+        </p:txBody>
+      </p:sp>
+      <p:sp>
+        <p:nvSpPr>
+          <p:cNvPr id="28" name="Oval 27">
+            <a:extLst>
+              <a:ext uri="{FF2B5EF4-FFF2-40B4-BE49-F238E27FC236}">
+                <a16:creationId xmlns:a16="http://schemas.microsoft.com/office/drawing/2014/main" id="{59CFBCB4-9789-4593-B7D2-0BC019EA1682}"/>
+              </a:ext>
+            </a:extLst>
+          </p:cNvPr>
+          <p:cNvSpPr/>
+          <p:nvPr/>
+        </p:nvSpPr>
+        <p:spPr>
+          <a:xfrm>
+            <a:off x="9696298" y="5796583"/>
+            <a:ext cx="643296" cy="661679"/>
+          </a:xfrm>
+          <a:prstGeom prst="ellipse">
+            <a:avLst/>
+          </a:prstGeom>
+        </p:spPr>
+        <p:style>
+          <a:lnRef idx="2">
+            <a:schemeClr val="accent1">
+              <a:shade val="50000"/>
+            </a:schemeClr>
+          </a:lnRef>
+          <a:fillRef idx="1">
+            <a:schemeClr val="accent1"/>
+          </a:fillRef>
+          <a:effectRef idx="0">
+            <a:schemeClr val="accent1"/>
+          </a:effectRef>
+          <a:fontRef idx="minor">
+            <a:schemeClr val="lt1"/>
+          </a:fontRef>
+        </p:style>
+        <p:txBody>
+          <a:bodyPr rtlCol="0" anchor="ctr"/>
+          <a:lstStyle/>
+          <a:p>
+            <a:pPr algn="ctr"/>
+            <a:endParaRPr lang="fr-FR"/>
+          </a:p>
+        </p:txBody>
+      </p:sp>
+    </p:spTree>
+    <p:extLst>
+      <p:ext uri="{BB962C8B-B14F-4D97-AF65-F5344CB8AC3E}">
+        <p14:creationId xmlns:p14="http://schemas.microsoft.com/office/powerpoint/2010/main" val="4230799247"/>
       </p:ext>
     </p:extLst>
   </p:cSld>
